--- a/img/content-negotiation.pptx
+++ b/img/content-negotiation.pptx
@@ -288,7 +288,7 @@
           <a:p>
             <a:fld id="{EE8AC90F-2A9F-438D-A91E-2DC0F30966CF}" type="datetimeFigureOut">
               <a:rPr lang="es-ES" smtClean="0"/>
-              <a:t>23/02/2018</a:t>
+              <a:t>05/04/2018</a:t>
             </a:fld>
             <a:endParaRPr lang="es-ES"/>
           </a:p>
@@ -458,7 +458,7 @@
           <a:p>
             <a:fld id="{EE8AC90F-2A9F-438D-A91E-2DC0F30966CF}" type="datetimeFigureOut">
               <a:rPr lang="es-ES" smtClean="0"/>
-              <a:t>23/02/2018</a:t>
+              <a:t>05/04/2018</a:t>
             </a:fld>
             <a:endParaRPr lang="es-ES"/>
           </a:p>
@@ -638,7 +638,7 @@
           <a:p>
             <a:fld id="{EE8AC90F-2A9F-438D-A91E-2DC0F30966CF}" type="datetimeFigureOut">
               <a:rPr lang="es-ES" smtClean="0"/>
-              <a:t>23/02/2018</a:t>
+              <a:t>05/04/2018</a:t>
             </a:fld>
             <a:endParaRPr lang="es-ES"/>
           </a:p>
@@ -808,7 +808,7 @@
           <a:p>
             <a:fld id="{EE8AC90F-2A9F-438D-A91E-2DC0F30966CF}" type="datetimeFigureOut">
               <a:rPr lang="es-ES" smtClean="0"/>
-              <a:t>23/02/2018</a:t>
+              <a:t>05/04/2018</a:t>
             </a:fld>
             <a:endParaRPr lang="es-ES"/>
           </a:p>
@@ -1054,7 +1054,7 @@
           <a:p>
             <a:fld id="{EE8AC90F-2A9F-438D-A91E-2DC0F30966CF}" type="datetimeFigureOut">
               <a:rPr lang="es-ES" smtClean="0"/>
-              <a:t>23/02/2018</a:t>
+              <a:t>05/04/2018</a:t>
             </a:fld>
             <a:endParaRPr lang="es-ES"/>
           </a:p>
@@ -1342,7 +1342,7 @@
           <a:p>
             <a:fld id="{EE8AC90F-2A9F-438D-A91E-2DC0F30966CF}" type="datetimeFigureOut">
               <a:rPr lang="es-ES" smtClean="0"/>
-              <a:t>23/02/2018</a:t>
+              <a:t>05/04/2018</a:t>
             </a:fld>
             <a:endParaRPr lang="es-ES"/>
           </a:p>
@@ -1764,7 +1764,7 @@
           <a:p>
             <a:fld id="{EE8AC90F-2A9F-438D-A91E-2DC0F30966CF}" type="datetimeFigureOut">
               <a:rPr lang="es-ES" smtClean="0"/>
-              <a:t>23/02/2018</a:t>
+              <a:t>05/04/2018</a:t>
             </a:fld>
             <a:endParaRPr lang="es-ES"/>
           </a:p>
@@ -1882,7 +1882,7 @@
           <a:p>
             <a:fld id="{EE8AC90F-2A9F-438D-A91E-2DC0F30966CF}" type="datetimeFigureOut">
               <a:rPr lang="es-ES" smtClean="0"/>
-              <a:t>23/02/2018</a:t>
+              <a:t>05/04/2018</a:t>
             </a:fld>
             <a:endParaRPr lang="es-ES"/>
           </a:p>
@@ -1977,7 +1977,7 @@
           <a:p>
             <a:fld id="{EE8AC90F-2A9F-438D-A91E-2DC0F30966CF}" type="datetimeFigureOut">
               <a:rPr lang="es-ES" smtClean="0"/>
-              <a:t>23/02/2018</a:t>
+              <a:t>05/04/2018</a:t>
             </a:fld>
             <a:endParaRPr lang="es-ES"/>
           </a:p>
@@ -2254,7 +2254,7 @@
           <a:p>
             <a:fld id="{EE8AC90F-2A9F-438D-A91E-2DC0F30966CF}" type="datetimeFigureOut">
               <a:rPr lang="es-ES" smtClean="0"/>
-              <a:t>23/02/2018</a:t>
+              <a:t>05/04/2018</a:t>
             </a:fld>
             <a:endParaRPr lang="es-ES"/>
           </a:p>
@@ -2507,7 +2507,7 @@
           <a:p>
             <a:fld id="{EE8AC90F-2A9F-438D-A91E-2DC0F30966CF}" type="datetimeFigureOut">
               <a:rPr lang="es-ES" smtClean="0"/>
-              <a:t>23/02/2018</a:t>
+              <a:t>05/04/2018</a:t>
             </a:fld>
             <a:endParaRPr lang="es-ES"/>
           </a:p>
@@ -2720,7 +2720,7 @@
           <a:p>
             <a:fld id="{EE8AC90F-2A9F-438D-A91E-2DC0F30966CF}" type="datetimeFigureOut">
               <a:rPr lang="es-ES" smtClean="0"/>
-              <a:t>23/02/2018</a:t>
+              <a:t>05/04/2018</a:t>
             </a:fld>
             <a:endParaRPr lang="es-ES"/>
           </a:p>
@@ -3104,7 +3104,7 @@
         <p:spPr>
           <a:xfrm>
             <a:off x="683568" y="1916832"/>
-            <a:ext cx="1876604" cy="369332"/>
+            <a:ext cx="1541897" cy="369332"/>
           </a:xfrm>
           <a:prstGeom prst="rect">
             <a:avLst/>
@@ -3124,7 +3124,11 @@
           <a:p>
             <a:r>
               <a:rPr lang="es-ES" smtClean="0"/>
-              <a:t>/id/{identificador}</a:t>
+              <a:t>/id</a:t>
+            </a:r>
+            <a:r>
+              <a:rPr lang="es-ES" smtClean="0"/>
+              <a:t>/{identifier}</a:t>
             </a:r>
             <a:endParaRPr lang="es-ES"/>
           </a:p>
@@ -3140,8 +3144,8 @@
         </p:nvCxnSpPr>
         <p:spPr>
           <a:xfrm>
-            <a:off x="2560172" y="2101498"/>
-            <a:ext cx="2587892" cy="2407622"/>
+            <a:off x="2225465" y="2101498"/>
+            <a:ext cx="2922599" cy="2407622"/>
           </a:xfrm>
           <a:prstGeom prst="bentConnector3">
             <a:avLst>
@@ -3149,7 +3153,7 @@
             </a:avLst>
           </a:prstGeom>
           <a:ln>
-            <a:tailEnd type="arrow"/>
+            <a:tailEnd type="triangle"/>
           </a:ln>
         </p:spPr>
         <p:style>
@@ -3177,8 +3181,8 @@
         </p:nvCxnSpPr>
         <p:spPr>
           <a:xfrm flipV="1">
-            <a:off x="2560172" y="476672"/>
-            <a:ext cx="2587892" cy="1624826"/>
+            <a:off x="2225465" y="476672"/>
+            <a:ext cx="2922599" cy="1624826"/>
           </a:xfrm>
           <a:prstGeom prst="bentConnector3">
             <a:avLst>
@@ -3186,7 +3190,7 @@
             </a:avLst>
           </a:prstGeom>
           <a:ln>
-            <a:tailEnd type="arrow"/>
+            <a:tailEnd type="triangle"/>
           </a:ln>
         </p:spPr>
         <p:style>
@@ -3212,7 +3216,7 @@
         </p:nvSpPr>
         <p:spPr>
           <a:xfrm>
-            <a:off x="2843808" y="1625798"/>
+            <a:off x="2555776" y="1670611"/>
             <a:ext cx="883308" cy="246221"/>
           </a:xfrm>
           <a:prstGeom prst="rect">
@@ -3247,8 +3251,8 @@
         </p:nvSpPr>
         <p:spPr>
           <a:xfrm>
-            <a:off x="2780307" y="2286164"/>
-            <a:ext cx="1010310" cy="246221"/>
+            <a:off x="2555776" y="2286164"/>
+            <a:ext cx="946809" cy="246221"/>
           </a:xfrm>
           <a:prstGeom prst="rect">
             <a:avLst/>
@@ -3282,7 +3286,7 @@
         </p:nvSpPr>
         <p:spPr>
           <a:xfrm>
-            <a:off x="3923928" y="1071800"/>
+            <a:off x="3692931" y="1066830"/>
             <a:ext cx="535724" cy="369332"/>
           </a:xfrm>
           <a:prstGeom prst="rect">
@@ -3311,7 +3315,7 @@
         </p:nvSpPr>
         <p:spPr>
           <a:xfrm>
-            <a:off x="3923928" y="3305309"/>
+            <a:off x="3724735" y="3303396"/>
             <a:ext cx="535724" cy="369332"/>
           </a:xfrm>
           <a:prstGeom prst="rect">
@@ -3341,7 +3345,7 @@
         <p:spPr>
           <a:xfrm>
             <a:off x="5220072" y="292006"/>
-            <a:ext cx="2116926" cy="369332"/>
+            <a:ext cx="1782219" cy="369332"/>
           </a:xfrm>
           <a:prstGeom prst="rect">
             <a:avLst/>
@@ -3361,7 +3365,11 @@
           <a:p>
             <a:r>
               <a:rPr lang="es-ES" smtClean="0"/>
-              <a:t>/data/{identificador}</a:t>
+              <a:t>/data/{</a:t>
+            </a:r>
+            <a:r>
+              <a:rPr lang="es-ES" smtClean="0"/>
+              <a:t>identifier}</a:t>
             </a:r>
             <a:endParaRPr lang="es-ES"/>
           </a:p>
@@ -3376,7 +3384,7 @@
         <p:spPr>
           <a:xfrm>
             <a:off x="5356199" y="3489975"/>
-            <a:ext cx="2156809" cy="369332"/>
+            <a:ext cx="1822102" cy="369332"/>
           </a:xfrm>
           <a:prstGeom prst="rect">
             <a:avLst/>
@@ -3396,7 +3404,11 @@
           <a:p>
             <a:r>
               <a:rPr lang="es-ES" smtClean="0"/>
-              <a:t>/page/{identificador}</a:t>
+              <a:t>/page/{</a:t>
+            </a:r>
+            <a:r>
+              <a:rPr lang="es-ES" smtClean="0"/>
+              <a:t>identifier}</a:t>
             </a:r>
             <a:endParaRPr lang="es-ES"/>
           </a:p>
@@ -3411,7 +3423,7 @@
         <p:spPr>
           <a:xfrm>
             <a:off x="5399648" y="5229200"/>
-            <a:ext cx="2043316" cy="369332"/>
+            <a:ext cx="1708609" cy="369332"/>
           </a:xfrm>
           <a:prstGeom prst="rect">
             <a:avLst/>
@@ -3431,7 +3443,11 @@
           <a:p>
             <a:r>
               <a:rPr lang="es-ES" smtClean="0"/>
-              <a:t>/doc/{identificador}</a:t>
+              <a:t>/doc/{</a:t>
+            </a:r>
+            <a:r>
+              <a:rPr lang="es-ES" smtClean="0"/>
+              <a:t>identifier}</a:t>
             </a:r>
             <a:endParaRPr lang="es-ES"/>
           </a:p>
